--- a/Lectures/week 4/week 4 - Latent Semantic Indexing.pptx
+++ b/Lectures/week 4/week 4 - Latent Semantic Indexing.pptx
@@ -4851,7 +4851,7 @@
             <a:fld id="{2D8CA0BC-0227-4EC0-BFD0-03DE60C18AD2}" type="slidenum">
               <a:rPr lang="en-US"/>
               <a:pPr/>
-              <a:t>‹#›</a:t>
+              <a:t>‹N°›</a:t>
             </a:fld>
             <a:endParaRPr lang="en-US"/>
           </a:p>
@@ -5186,7 +5186,7 @@
             <a:fld id="{E6C47E0B-2958-48CC-BA4E-C350203CF107}" type="slidenum">
               <a:rPr lang="en-US"/>
               <a:pPr/>
-              <a:t>‹#›</a:t>
+              <a:t>‹N°›</a:t>
             </a:fld>
             <a:endParaRPr lang="en-US"/>
           </a:p>
@@ -8050,14 +8050,14 @@
           <a:ln/>
           <a:extLst>
             <a:ext uri="{909E8E84-426E-40dd-AFC4-6F175D3DCCD1}">
-              <a14:hiddenFill xmlns="" xmlns:a14="http://schemas.microsoft.com/office/drawing/2010/main">
+              <a14:hiddenFill xmlns:a14="http://schemas.microsoft.com/office/drawing/2010/main" xmlns="">
                 <a:solidFill>
                   <a:srgbClr val="FFFFFF"/>
                 </a:solidFill>
               </a14:hiddenFill>
             </a:ext>
             <a:ext uri="{91240B29-F687-4f45-9708-019B960494DF}">
-              <a14:hiddenLine xmlns="" xmlns:a14="http://schemas.microsoft.com/office/drawing/2010/main" w="9525">
+              <a14:hiddenLine xmlns:a14="http://schemas.microsoft.com/office/drawing/2010/main" xmlns="" w="9525">
                 <a:solidFill>
                   <a:srgbClr val="000000"/>
                 </a:solidFill>
@@ -13194,7 +13194,7 @@
                 <a:latin typeface="Verdana" charset="0"/>
               </a:rPr>
               <a:pPr algn="r"/>
-              <a:t>‹#›</a:t>
+              <a:t>‹N°›</a:t>
             </a:fld>
             <a:endParaRPr lang="en-US" sz="900">
               <a:solidFill>
@@ -16396,8 +16396,8 @@
           </a:p>
         </p:txBody>
       </p:sp>
-      <mc:AlternateContent xmlns:mc="http://schemas.openxmlformats.org/markup-compatibility/2006" xmlns:a14="http://schemas.microsoft.com/office/drawing/2010/main">
-        <mc:Choice Requires="a14">
+      <mc:AlternateContent xmlns:mc="http://schemas.openxmlformats.org/markup-compatibility/2006">
+        <mc:Choice xmlns:a14="http://schemas.microsoft.com/office/drawing/2010/main" Requires="a14">
           <p:sp>
             <p:nvSpPr>
               <p:cNvPr id="3" name="Content Placeholder 2"/>
@@ -16414,13 +16414,13 @@
               <a:lstStyle/>
               <a:p>
                 <a:r>
-                  <a:rPr lang="en-GB" dirty="0"/>
+                  <a:rPr lang="en-GB" sz="2000" dirty="0"/>
                   <a:t>Represent Matrix </a:t>
                 </a:r>
                 <a14:m>
                   <m:oMath xmlns:m="http://schemas.openxmlformats.org/officeDocument/2006/math">
                     <m:r>
-                      <a:rPr lang="en-GB" i="1" dirty="0" smtClean="0">
+                      <a:rPr lang="en-GB" sz="2000" i="1" dirty="0" smtClean="0">
                         <a:latin typeface="Cambria Math" panose="02040503050406030204" pitchFamily="18" charset="0"/>
                       </a:rPr>
                       <m:t>𝑀</m:t>
@@ -16428,63 +16428,63 @@
                   </m:oMath>
                 </a14:m>
                 <a:r>
-                  <a:rPr lang="en-GB" dirty="0"/>
+                  <a:rPr lang="en-GB" sz="2000" dirty="0"/>
                   <a:t> as </a:t>
                 </a:r>
                 <a14:m>
                   <m:oMath xmlns:m="http://schemas.openxmlformats.org/officeDocument/2006/math">
                     <m:r>
-                      <a:rPr lang="en-GB" i="1" dirty="0" smtClean="0">
+                      <a:rPr lang="en-GB" sz="2000" i="1" dirty="0" smtClean="0">
                         <a:latin typeface="Cambria Math" panose="02040503050406030204" pitchFamily="18" charset="0"/>
                       </a:rPr>
                       <m:t>𝑀</m:t>
                     </m:r>
                     <m:r>
-                      <a:rPr lang="en-GB" i="1" dirty="0" smtClean="0">
+                      <a:rPr lang="en-GB" sz="2000" i="1" dirty="0" smtClean="0">
                         <a:latin typeface="Cambria Math" panose="02040503050406030204" pitchFamily="18" charset="0"/>
                       </a:rPr>
                       <m:t> = </m:t>
                     </m:r>
                     <m:r>
-                      <a:rPr lang="en-GB" i="1" dirty="0" err="1">
+                      <a:rPr lang="en-GB" sz="2000" i="1" dirty="0" err="1">
                         <a:latin typeface="Cambria Math" panose="02040503050406030204" pitchFamily="18" charset="0"/>
                       </a:rPr>
                       <m:t>𝐾</m:t>
                     </m:r>
                     <m:r>
-                      <a:rPr lang="en-GB" i="1" dirty="0" err="1">
+                      <a:rPr lang="en-GB" sz="2000" i="1" dirty="0" err="1">
                         <a:latin typeface="Cambria Math" panose="02040503050406030204" pitchFamily="18" charset="0"/>
                       </a:rPr>
                       <m:t>.</m:t>
                     </m:r>
                     <m:r>
-                      <a:rPr lang="en-GB" i="1" dirty="0" err="1">
+                      <a:rPr lang="en-GB" sz="2000" i="1" dirty="0" err="1">
                         <a:latin typeface="Cambria Math" panose="02040503050406030204" pitchFamily="18" charset="0"/>
                       </a:rPr>
                       <m:t>𝑆</m:t>
                     </m:r>
                     <m:r>
-                      <a:rPr lang="en-GB" i="1" dirty="0" err="1">
+                      <a:rPr lang="en-GB" sz="2000" i="1" dirty="0" err="1">
                         <a:latin typeface="Cambria Math" panose="02040503050406030204" pitchFamily="18" charset="0"/>
                       </a:rPr>
                       <m:t>.</m:t>
                     </m:r>
                     <m:r>
-                      <a:rPr lang="en-GB" i="1" dirty="0" err="1">
+                      <a:rPr lang="en-GB" sz="2000" i="1" dirty="0" err="1">
                         <a:latin typeface="Cambria Math" panose="02040503050406030204" pitchFamily="18" charset="0"/>
                       </a:rPr>
                       <m:t>𝐷𝑡</m:t>
                     </m:r>
                   </m:oMath>
                 </a14:m>
-                <a:endParaRPr lang="en-GB" baseline="30000" dirty="0"/>
+                <a:endParaRPr lang="en-GB" sz="2000" baseline="30000" dirty="0"/>
               </a:p>
               <a:p>
                 <a:pPr lvl="1"/>
                 <a14:m>
                   <m:oMath xmlns:m="http://schemas.openxmlformats.org/officeDocument/2006/math">
                     <m:r>
-                      <a:rPr lang="en-GB" i="1" dirty="0" smtClean="0">
+                      <a:rPr lang="en-GB" sz="2000" i="1" dirty="0" smtClean="0">
                         <a:latin typeface="Cambria Math" panose="02040503050406030204" pitchFamily="18" charset="0"/>
                       </a:rPr>
                       <m:t>𝐾</m:t>
@@ -16492,11 +16492,11 @@
                   </m:oMath>
                 </a14:m>
                 <a:r>
-                  <a:rPr lang="en-GB" dirty="0"/>
+                  <a:rPr lang="en-GB" sz="2000" dirty="0"/>
                   <a:t> </a:t>
                 </a:r>
                 <a:r>
-                  <a:rPr lang="en-GB" dirty="0">
+                  <a:rPr lang="en-GB" sz="2000" dirty="0">
                     <a:sym typeface="Symbol" pitchFamily="18" charset="2"/>
                   </a:rPr>
                   <a:t> and </a:t>
@@ -16504,7 +16504,7 @@
                 <a14:m>
                   <m:oMath xmlns:m="http://schemas.openxmlformats.org/officeDocument/2006/math">
                     <m:r>
-                      <a:rPr lang="en-GB" i="1" dirty="0" smtClean="0">
+                      <a:rPr lang="en-GB" sz="2000" i="1" dirty="0" smtClean="0">
                         <a:latin typeface="Cambria Math" panose="02040503050406030204" pitchFamily="18" charset="0"/>
                       </a:rPr>
                       <m:t>𝐷</m:t>
@@ -16512,7 +16512,7 @@
                   </m:oMath>
                 </a14:m>
                 <a:r>
-                  <a:rPr lang="en-GB" dirty="0"/>
+                  <a:rPr lang="en-GB" sz="2000" dirty="0"/>
                   <a:t> are matrices with orthonormal columns</a:t>
                 </a:r>
               </a:p>
@@ -16527,55 +16527,55 @@
                     </m:oMathParaPr>
                     <m:oMath xmlns:m="http://schemas.openxmlformats.org/officeDocument/2006/math">
                       <m:r>
-                        <a:rPr lang="en-GB" sz="2800" i="1" dirty="0" smtClean="0">
+                        <a:rPr lang="en-GB" sz="2000" i="1" dirty="0" smtClean="0">
                           <a:latin typeface="Cambria Math" panose="02040503050406030204" pitchFamily="18" charset="0"/>
                         </a:rPr>
                         <m:t>𝐾</m:t>
                       </m:r>
                       <m:r>
-                        <a:rPr lang="en-GB" sz="2800" i="1" dirty="0" smtClean="0">
+                        <a:rPr lang="en-GB" sz="2000" i="1" dirty="0" smtClean="0">
                           <a:latin typeface="Cambria Math" panose="02040503050406030204" pitchFamily="18" charset="0"/>
                         </a:rPr>
                         <m:t>.</m:t>
                       </m:r>
                       <m:r>
-                        <a:rPr lang="en-GB" sz="2800" i="1" dirty="0" smtClean="0">
+                        <a:rPr lang="en-GB" sz="2000" i="1" dirty="0" smtClean="0">
                           <a:latin typeface="Cambria Math" panose="02040503050406030204" pitchFamily="18" charset="0"/>
                         </a:rPr>
                         <m:t>𝐾𝑡</m:t>
                       </m:r>
                       <m:r>
-                        <a:rPr lang="en-GB" sz="2800" i="1" dirty="0">
+                        <a:rPr lang="en-GB" sz="2000" i="1" dirty="0">
                           <a:latin typeface="Cambria Math" panose="02040503050406030204" pitchFamily="18" charset="0"/>
                         </a:rPr>
                         <m:t> = </m:t>
                       </m:r>
                       <m:r>
-                        <a:rPr lang="en-GB" sz="2800" i="1" dirty="0">
+                        <a:rPr lang="en-GB" sz="2000" i="1" dirty="0">
                           <a:latin typeface="Cambria Math" panose="02040503050406030204" pitchFamily="18" charset="0"/>
                         </a:rPr>
                         <m:t>𝐼</m:t>
                       </m:r>
                       <m:r>
-                        <a:rPr lang="en-GB" sz="2800" i="1" dirty="0">
+                        <a:rPr lang="en-GB" sz="2000" i="1" dirty="0">
                           <a:latin typeface="Cambria Math" panose="02040503050406030204" pitchFamily="18" charset="0"/>
                         </a:rPr>
                         <m:t> = </m:t>
                       </m:r>
                       <m:r>
-                        <a:rPr lang="en-GB" sz="2800" i="1" dirty="0" err="1">
+                        <a:rPr lang="en-GB" sz="2000" i="1" dirty="0" err="1">
                           <a:latin typeface="Cambria Math" panose="02040503050406030204" pitchFamily="18" charset="0"/>
                         </a:rPr>
                         <m:t>𝐷</m:t>
                       </m:r>
                       <m:r>
-                        <a:rPr lang="en-GB" sz="2800" i="1" dirty="0" err="1">
+                        <a:rPr lang="en-GB" sz="2000" i="1" dirty="0" err="1">
                           <a:latin typeface="Cambria Math" panose="02040503050406030204" pitchFamily="18" charset="0"/>
                         </a:rPr>
                         <m:t>.</m:t>
                       </m:r>
                       <m:r>
-                        <a:rPr lang="en-GB" sz="2800" i="1" dirty="0" err="1">
+                        <a:rPr lang="en-GB" sz="2000" i="1" dirty="0" err="1">
                           <a:latin typeface="Cambria Math" panose="02040503050406030204" pitchFamily="18" charset="0"/>
                         </a:rPr>
                         <m:t>𝐷𝑡</m:t>
@@ -16583,14 +16583,14 @@
                     </m:oMath>
                   </m:oMathPara>
                 </a14:m>
-                <a:endParaRPr lang="en-GB" sz="2800" baseline="30000" dirty="0"/>
+                <a:endParaRPr lang="en-GB" sz="2000" baseline="30000" dirty="0"/>
               </a:p>
               <a:p>
                 <a:pPr lvl="1"/>
                 <a14:m>
                   <m:oMath xmlns:m="http://schemas.openxmlformats.org/officeDocument/2006/math">
                     <m:r>
-                      <a:rPr lang="en-GB" i="1" dirty="0" smtClean="0">
+                      <a:rPr lang="en-GB" sz="2000" i="1" dirty="0" smtClean="0">
                         <a:latin typeface="Cambria Math" panose="02040503050406030204" pitchFamily="18" charset="0"/>
                       </a:rPr>
                       <m:t>𝑆</m:t>
@@ -16598,31 +16598,31 @@
                   </m:oMath>
                 </a14:m>
                 <a:r>
-                  <a:rPr lang="en-GB" dirty="0"/>
+                  <a:rPr lang="en-GB" sz="2000" dirty="0"/>
                   <a:t> is an  </a:t>
                 </a:r>
                 <a14:m>
                   <m:oMath xmlns:m="http://schemas.openxmlformats.org/officeDocument/2006/math">
                     <m:r>
-                      <a:rPr lang="en-GB" i="1" dirty="0" smtClean="0">
+                      <a:rPr lang="en-GB" sz="2000" i="1" dirty="0" smtClean="0">
                         <a:latin typeface="Cambria Math" panose="02040503050406030204" pitchFamily="18" charset="0"/>
                       </a:rPr>
                       <m:t>𝑟</m:t>
                     </m:r>
                     <m:r>
-                      <a:rPr lang="en-GB" i="1" dirty="0" smtClean="0">
+                      <a:rPr lang="en-GB" sz="2000" i="1" dirty="0" smtClean="0">
                         <a:latin typeface="Cambria Math" panose="02040503050406030204" pitchFamily="18" charset="0"/>
                       </a:rPr>
                       <m:t> × </m:t>
                     </m:r>
                     <m:r>
-                      <a:rPr lang="en-GB" i="1" dirty="0" smtClean="0">
+                      <a:rPr lang="en-GB" sz="2000" i="1" dirty="0" smtClean="0">
                         <a:latin typeface="Cambria Math" panose="02040503050406030204" pitchFamily="18" charset="0"/>
                       </a:rPr>
                       <m:t>𝑟</m:t>
                     </m:r>
                     <m:r>
-                      <a:rPr lang="en-GB" i="1" dirty="0" smtClean="0">
+                      <a:rPr lang="en-GB" sz="2000" i="1" dirty="0" smtClean="0">
                         <a:latin typeface="Cambria Math" panose="02040503050406030204" pitchFamily="18" charset="0"/>
                       </a:rPr>
                       <m:t>  </m:t>
@@ -16630,24 +16630,24 @@
                   </m:oMath>
                 </a14:m>
                 <a:r>
-                  <a:rPr lang="en-GB" dirty="0"/>
+                  <a:rPr lang="en-GB" sz="2000" dirty="0"/>
                   <a:t>diagonal matrix of the singular values sorted in decreasing order where </a:t>
                 </a:r>
                 <a:br>
-                  <a:rPr lang="fr-CH" i="1" dirty="0">
+                  <a:rPr lang="fr-CH" sz="2000" i="1" dirty="0">
                     <a:latin typeface="Cambria Math" panose="02040503050406030204" pitchFamily="18" charset="0"/>
                   </a:rPr>
                 </a:br>
                 <a14:m>
                   <m:oMath xmlns:m="http://schemas.openxmlformats.org/officeDocument/2006/math">
                     <m:r>
-                      <a:rPr lang="en-GB" i="1" dirty="0" smtClean="0">
+                      <a:rPr lang="en-GB" sz="2000" i="1" dirty="0" smtClean="0">
                         <a:latin typeface="Cambria Math" panose="02040503050406030204" pitchFamily="18" charset="0"/>
                       </a:rPr>
                       <m:t>𝑟</m:t>
                     </m:r>
                     <m:r>
-                      <a:rPr lang="en-GB" i="1" dirty="0" smtClean="0">
+                      <a:rPr lang="en-GB" sz="2000" i="1" dirty="0" smtClean="0">
                         <a:latin typeface="Cambria Math" panose="02040503050406030204" pitchFamily="18" charset="0"/>
                       </a:rPr>
                       <m:t> = </m:t>
@@ -16656,37 +16656,37 @@
                       <m:rPr>
                         <m:sty m:val="p"/>
                       </m:rPr>
-                      <a:rPr lang="en-GB" i="1" dirty="0" smtClean="0">
+                      <a:rPr lang="en-GB" sz="2000" i="1" dirty="0" smtClean="0">
                         <a:latin typeface="Cambria Math" panose="02040503050406030204" pitchFamily="18" charset="0"/>
                       </a:rPr>
                       <m:t>min</m:t>
                     </m:r>
                     <m:r>
-                      <a:rPr lang="en-GB" i="1" dirty="0" smtClean="0">
+                      <a:rPr lang="en-GB" sz="2000" i="1" dirty="0" smtClean="0">
                         <a:latin typeface="Cambria Math" panose="02040503050406030204" pitchFamily="18" charset="0"/>
                       </a:rPr>
                       <m:t>⁡(</m:t>
                     </m:r>
                     <m:r>
-                      <a:rPr lang="en-GB" i="1" dirty="0" smtClean="0">
+                      <a:rPr lang="en-GB" sz="2000" i="1" dirty="0" smtClean="0">
                         <a:latin typeface="Cambria Math" panose="02040503050406030204" pitchFamily="18" charset="0"/>
                       </a:rPr>
                       <m:t>𝑚</m:t>
                     </m:r>
                     <m:r>
-                      <a:rPr lang="en-GB" i="1" dirty="0" smtClean="0">
+                      <a:rPr lang="en-GB" sz="2000" i="1" dirty="0" smtClean="0">
                         <a:latin typeface="Cambria Math" panose="02040503050406030204" pitchFamily="18" charset="0"/>
                       </a:rPr>
                       <m:t>, </m:t>
                     </m:r>
                     <m:r>
-                      <a:rPr lang="en-GB" i="1" dirty="0" smtClean="0">
+                      <a:rPr lang="en-GB" sz="2000" i="1" dirty="0" smtClean="0">
                         <a:latin typeface="Cambria Math" panose="02040503050406030204" pitchFamily="18" charset="0"/>
                       </a:rPr>
                       <m:t>𝑛</m:t>
                     </m:r>
                     <m:r>
-                      <a:rPr lang="en-GB" i="1" dirty="0" smtClean="0">
+                      <a:rPr lang="en-GB" sz="2000" i="1" dirty="0" smtClean="0">
                         <a:latin typeface="Cambria Math" panose="02040503050406030204" pitchFamily="18" charset="0"/>
                       </a:rPr>
                       <m:t>)</m:t>
@@ -16694,35 +16694,247 @@
                   </m:oMath>
                 </a14:m>
                 <a:r>
-                  <a:rPr lang="en-GB" dirty="0"/>
+                  <a:rPr lang="en-GB" sz="2000" dirty="0"/>
                   <a:t>, i.e., the rank of </a:t>
                 </a:r>
                 <a14:m>
                   <m:oMath xmlns:m="http://schemas.openxmlformats.org/officeDocument/2006/math">
                     <m:r>
-                      <a:rPr lang="en-GB" i="1" dirty="0" smtClean="0">
+                      <a:rPr lang="en-GB" sz="2000" i="1" dirty="0" smtClean="0">
                         <a:latin typeface="Cambria Math" panose="02040503050406030204" pitchFamily="18" charset="0"/>
                       </a:rPr>
                       <m:t>𝑀</m:t>
                     </m:r>
                   </m:oMath>
                 </a14:m>
-                <a:endParaRPr lang="en-GB" dirty="0"/>
+                <a:endParaRPr lang="en-GB" sz="2000" dirty="0"/>
               </a:p>
               <a:p>
                 <a:pPr lvl="1"/>
                 <a:r>
-                  <a:rPr lang="en-GB" dirty="0"/>
+                  <a:rPr lang="en-GB" sz="2000" dirty="0"/>
                   <a:t>Such a decomposition always exists and is unique (up to sign)</a:t>
                 </a:r>
               </a:p>
               <a:p>
-                <a:endParaRPr lang="en-GB" dirty="0"/>
+                <a14:m>
+                  <m:oMath xmlns:m="http://schemas.openxmlformats.org/officeDocument/2006/math">
+                    <m:r>
+                      <a:rPr lang="en-GB" sz="2000" i="1" dirty="0">
+                        <a:latin typeface="Cambria Math" panose="02040503050406030204" pitchFamily="18" charset="0"/>
+                      </a:rPr>
+                      <m:t>𝐾</m:t>
+                    </m:r>
+                  </m:oMath>
+                </a14:m>
+                <a:r>
+                  <a:rPr lang="en-GB" sz="2000" dirty="0"/>
+                  <a:t> is the matrix of eigenvectors derived from </a:t>
+                </a:r>
+                <a14:m>
+                  <m:oMath xmlns:m="http://schemas.openxmlformats.org/officeDocument/2006/math">
+                    <m:r>
+                      <a:rPr lang="en-GB" sz="2000" i="1" dirty="0">
+                        <a:latin typeface="Cambria Math" panose="02040503050406030204" pitchFamily="18" charset="0"/>
+                      </a:rPr>
+                      <m:t>𝑀</m:t>
+                    </m:r>
+                    <m:r>
+                      <a:rPr lang="en-GB" sz="2000" i="1" dirty="0">
+                        <a:latin typeface="Cambria Math" panose="02040503050406030204" pitchFamily="18" charset="0"/>
+                      </a:rPr>
+                      <m:t>.</m:t>
+                    </m:r>
+                    <m:r>
+                      <a:rPr lang="en-GB" sz="2000" i="1" dirty="0">
+                        <a:latin typeface="Cambria Math" panose="02040503050406030204" pitchFamily="18" charset="0"/>
+                      </a:rPr>
+                      <m:t>𝑀𝑡</m:t>
+                    </m:r>
+                  </m:oMath>
+                </a14:m>
+                <a:endParaRPr lang="en-GB" sz="2000" baseline="30000" dirty="0"/>
+              </a:p>
+              <a:p>
+                <a14:m>
+                  <m:oMath xmlns:m="http://schemas.openxmlformats.org/officeDocument/2006/math">
+                    <m:r>
+                      <a:rPr lang="en-GB" sz="2000" i="1" dirty="0">
+                        <a:latin typeface="Cambria Math" panose="02040503050406030204" pitchFamily="18" charset="0"/>
+                      </a:rPr>
+                      <m:t>𝐷</m:t>
+                    </m:r>
+                  </m:oMath>
+                </a14:m>
+                <a:r>
+                  <a:rPr lang="en-GB" sz="2000" dirty="0"/>
+                  <a:t> is the matrix of eigenvectors derived from </a:t>
+                </a:r>
+                <a14:m>
+                  <m:oMath xmlns:m="http://schemas.openxmlformats.org/officeDocument/2006/math">
+                    <m:r>
+                      <a:rPr lang="en-GB" sz="2000" i="1" dirty="0">
+                        <a:latin typeface="Cambria Math" panose="02040503050406030204" pitchFamily="18" charset="0"/>
+                      </a:rPr>
+                      <m:t>𝑀</m:t>
+                    </m:r>
+                    <m:r>
+                      <a:rPr lang="en-GB" sz="2000" i="1" baseline="30000" dirty="0" err="1">
+                        <a:latin typeface="Cambria Math" panose="02040503050406030204" pitchFamily="18" charset="0"/>
+                      </a:rPr>
+                      <m:t>𝑡</m:t>
+                    </m:r>
+                    <m:r>
+                      <a:rPr lang="en-GB" sz="2000" i="1" dirty="0" err="1">
+                        <a:latin typeface="Cambria Math" panose="02040503050406030204" pitchFamily="18" charset="0"/>
+                        <a:sym typeface="Symbol" pitchFamily="18" charset="2"/>
+                      </a:rPr>
+                      <m:t>.</m:t>
+                    </m:r>
+                    <m:r>
+                      <a:rPr lang="en-GB" sz="2000" i="1" dirty="0" err="1">
+                        <a:latin typeface="Cambria Math" panose="02040503050406030204" pitchFamily="18" charset="0"/>
+                      </a:rPr>
+                      <m:t>𝑀</m:t>
+                    </m:r>
+                  </m:oMath>
+                </a14:m>
+                <a:endParaRPr lang="en-GB" sz="2000" dirty="0"/>
+              </a:p>
+              <a:p>
+                <a:endParaRPr lang="en-GB" sz="2000" dirty="0"/>
+              </a:p>
+              <a:p>
+                <a:r>
+                  <a:rPr lang="en-GB" sz="2000" dirty="0"/>
+                  <a:t>Algorithms for constructing the SVD of a </a:t>
+                </a:r>
+                <a14:m>
+                  <m:oMath xmlns:m="http://schemas.openxmlformats.org/officeDocument/2006/math">
+                    <m:r>
+                      <a:rPr lang="en-GB" sz="2000" i="1" dirty="0">
+                        <a:latin typeface="Cambria Math" panose="02040503050406030204" pitchFamily="18" charset="0"/>
+                      </a:rPr>
+                      <m:t>𝑚</m:t>
+                    </m:r>
+                    <m:r>
+                      <a:rPr lang="en-GB" sz="2000" i="1" dirty="0">
+                        <a:latin typeface="Cambria Math" panose="02040503050406030204" pitchFamily="18" charset="0"/>
+                        <a:sym typeface="Symbol" pitchFamily="18" charset="2"/>
+                      </a:rPr>
+                      <m:t> </m:t>
+                    </m:r>
+                    <m:r>
+                      <a:rPr lang="en-GB" sz="2000" i="1" dirty="0">
+                        <a:latin typeface="Cambria Math" panose="02040503050406030204" pitchFamily="18" charset="0"/>
+                        <a:ea typeface="Cambria Math" panose="02040503050406030204" pitchFamily="18" charset="0"/>
+                        <a:sym typeface="Symbol" pitchFamily="18" charset="2"/>
+                      </a:rPr>
+                      <m:t>×</m:t>
+                    </m:r>
+                    <m:r>
+                      <a:rPr lang="en-GB" sz="2000" i="1" dirty="0">
+                        <a:latin typeface="Cambria Math" panose="02040503050406030204" pitchFamily="18" charset="0"/>
+                        <a:sym typeface="Symbol" pitchFamily="18" charset="2"/>
+                      </a:rPr>
+                      <m:t> </m:t>
+                    </m:r>
+                    <m:r>
+                      <a:rPr lang="en-GB" sz="2000" i="1" dirty="0">
+                        <a:latin typeface="Cambria Math" panose="02040503050406030204" pitchFamily="18" charset="0"/>
+                      </a:rPr>
+                      <m:t>𝑛</m:t>
+                    </m:r>
+                    <m:r>
+                      <a:rPr lang="en-GB" sz="2000" i="1" dirty="0">
+                        <a:latin typeface="Cambria Math" panose="02040503050406030204" pitchFamily="18" charset="0"/>
+                      </a:rPr>
+                      <m:t> </m:t>
+                    </m:r>
+                  </m:oMath>
+                </a14:m>
+                <a:r>
+                  <a:rPr lang="en-GB" sz="2000" dirty="0"/>
+                  <a:t>matrix have complexity </a:t>
+                </a:r>
+                <a14:m>
+                  <m:oMath xmlns:m="http://schemas.openxmlformats.org/officeDocument/2006/math">
+                    <m:r>
+                      <a:rPr lang="en-GB" sz="2000" i="1" dirty="0">
+                        <a:latin typeface="Cambria Math" panose="02040503050406030204" pitchFamily="18" charset="0"/>
+                      </a:rPr>
+                      <m:t>𝑂</m:t>
+                    </m:r>
+                    <m:r>
+                      <a:rPr lang="en-GB" sz="2000" i="1" dirty="0">
+                        <a:latin typeface="Cambria Math" panose="02040503050406030204" pitchFamily="18" charset="0"/>
+                      </a:rPr>
+                      <m:t>(</m:t>
+                    </m:r>
+                    <m:r>
+                      <a:rPr lang="en-GB" sz="2000" i="1" dirty="0">
+                        <a:latin typeface="Cambria Math" panose="02040503050406030204" pitchFamily="18" charset="0"/>
+                      </a:rPr>
+                      <m:t>𝑛</m:t>
+                    </m:r>
+                    <m:r>
+                      <a:rPr lang="en-GB" sz="2000" i="1" baseline="30000" dirty="0">
+                        <a:latin typeface="Cambria Math" panose="02040503050406030204" pitchFamily="18" charset="0"/>
+                      </a:rPr>
+                      <m:t>3</m:t>
+                    </m:r>
+                    <m:r>
+                      <a:rPr lang="en-GB" sz="2000" i="1" dirty="0">
+                        <a:latin typeface="Cambria Math" panose="02040503050406030204" pitchFamily="18" charset="0"/>
+                      </a:rPr>
+                      <m:t>) </m:t>
+                    </m:r>
+                  </m:oMath>
+                </a14:m>
+                <a:r>
+                  <a:rPr lang="en-GB" sz="2000" dirty="0"/>
+                  <a:t>if </a:t>
+                </a:r>
+                <a14:m>
+                  <m:oMath xmlns:m="http://schemas.openxmlformats.org/officeDocument/2006/math">
+                    <m:r>
+                      <a:rPr lang="en-GB" sz="2000" i="1" dirty="0">
+                        <a:latin typeface="Cambria Math" panose="02040503050406030204" pitchFamily="18" charset="0"/>
+                      </a:rPr>
+                      <m:t>𝑚</m:t>
+                    </m:r>
+                    <m:r>
+                      <a:rPr lang="en-GB" sz="2000" i="1">
+                        <a:latin typeface="Cambria Math" panose="02040503050406030204" pitchFamily="18" charset="0"/>
+                        <a:ea typeface="Cambria Math" charset="0"/>
+                        <a:cs typeface="Cambria Math" charset="0"/>
+                      </a:rPr>
+                      <m:t>≤</m:t>
+                    </m:r>
+                    <m:r>
+                      <a:rPr lang="en-GB" sz="2000" i="1" dirty="0">
+                        <a:latin typeface="Cambria Math" panose="02040503050406030204" pitchFamily="18" charset="0"/>
+                        <a:sym typeface="Symbol" pitchFamily="18" charset="2"/>
+                      </a:rPr>
+                      <m:t>𝑛</m:t>
+                    </m:r>
+                  </m:oMath>
+                </a14:m>
+                <a:endParaRPr lang="en-GB" sz="2000" dirty="0">
+                  <a:sym typeface="Symbol" pitchFamily="18" charset="2"/>
+                </a:endParaRPr>
+              </a:p>
+              <a:p>
+                <a:pPr lvl="1"/>
+                <a:endParaRPr lang="en-GB" sz="2000" dirty="0"/>
+              </a:p>
+              <a:p>
+                <a:endParaRPr lang="en-GB" sz="2000" dirty="0"/>
               </a:p>
             </p:txBody>
           </p:sp>
         </mc:Choice>
-        <mc:Fallback xmlns="">
+        <mc:Fallback>
           <p:sp>
             <p:nvSpPr>
               <p:cNvPr id="3" name="Content Placeholder 2"/>
@@ -16737,7 +16949,7 @@
               <a:blipFill>
                 <a:blip r:embed="rId3"/>
                 <a:stretch>
-                  <a:fillRect l="-1829" t="-1511"/>
+                  <a:fillRect l="-611" t="-504"/>
                 </a:stretch>
               </a:blipFill>
             </p:spPr>
@@ -16746,7 +16958,7 @@
               <a:lstStyle/>
               <a:p>
                 <a:r>
-                  <a:rPr lang="en-CH">
+                  <a:rPr lang="en-US">
                     <a:noFill/>
                   </a:rPr>
                   <a:t> </a:t>
@@ -17471,7 +17683,7 @@
                 <a:ext cx="8857108" cy="5029200"/>
               </a:xfrm>
               <a:blipFill>
-                <a:blip r:embed="rId3"/>
+                <a:blip r:embed="rId4"/>
                 <a:stretch>
                   <a:fillRect l="-1288" t="-2015" b="-45844"/>
                 </a:stretch>
@@ -17508,12 +17720,12 @@
           <a:graphicData uri="http://schemas.openxmlformats.org/presentationml/2006/ole">
             <mc:AlternateContent xmlns:mc="http://schemas.openxmlformats.org/markup-compatibility/2006">
               <mc:Choice xmlns:v="urn:schemas-microsoft-com:vml" Requires="v">
-                <p:oleObj name="Equation" r:id="rId4" imgW="1168200" imgH="291960" progId="Equation.DSMT4">
+                <p:oleObj spid="_x0000_s1027" name="Equation" r:id="rId5" imgW="1168200" imgH="291960" progId="Equation.DSMT4">
                   <p:embed/>
                 </p:oleObj>
               </mc:Choice>
               <mc:Fallback>
-                <p:oleObj name="Equation" r:id="rId4" imgW="1168200" imgH="291960" progId="Equation.DSMT4">
+                <p:oleObj name="Equation" r:id="rId5" imgW="1168200" imgH="291960" progId="Equation.DSMT4">
                   <p:embed/>
                   <p:pic>
                     <p:nvPicPr>
@@ -17524,7 +17736,7 @@
                       <p:nvPr/>
                     </p:nvPicPr>
                     <p:blipFill>
-                      <a:blip r:embed="rId5">
+                      <a:blip r:embed="rId6">
                         <a:extLst>
                           <a:ext uri="{28A0092B-C50C-407E-A947-70E740481C1C}">
                             <a14:useLocalDpi xmlns:a14="http://schemas.microsoft.com/office/drawing/2010/main" val="0"/>
@@ -17547,7 +17759,7 @@
                       <a:noFill/>
                       <a:extLst>
                         <a:ext uri="{909E8E84-426E-40dd-AFC4-6F175D3DCCD1}">
-                          <a14:hiddenFill xmlns="" xmlns:a14="http://schemas.microsoft.com/office/drawing/2010/main">
+                          <a14:hiddenFill xmlns:a14="http://schemas.microsoft.com/office/drawing/2010/main" xmlns="">
                             <a:solidFill>
                               <a:srgbClr val="FFFFFF"/>
                             </a:solidFill>
@@ -17584,12 +17796,12 @@
           <a:graphicData uri="http://schemas.openxmlformats.org/presentationml/2006/ole">
             <mc:AlternateContent xmlns:mc="http://schemas.openxmlformats.org/markup-compatibility/2006">
               <mc:Choice xmlns:v="urn:schemas-microsoft-com:vml" Requires="v">
-                <p:oleObj name="Equation" r:id="rId6" imgW="1143000" imgH="279360" progId="Equation.3">
+                <p:oleObj spid="_x0000_s1028" name="Equation" r:id="rId7" imgW="1143000" imgH="279360" progId="Equation.3">
                   <p:embed/>
                 </p:oleObj>
               </mc:Choice>
               <mc:Fallback>
-                <p:oleObj name="Equation" r:id="rId6" imgW="1143000" imgH="279360" progId="Equation.3">
+                <p:oleObj name="Equation" r:id="rId7" imgW="1143000" imgH="279360" progId="Equation.3">
                   <p:embed/>
                   <p:pic>
                     <p:nvPicPr>
@@ -17600,7 +17812,7 @@
                       <p:nvPr/>
                     </p:nvPicPr>
                     <p:blipFill>
-                      <a:blip r:embed="rId7">
+                      <a:blip r:embed="rId8">
                         <a:extLst>
                           <a:ext uri="{28A0092B-C50C-407E-A947-70E740481C1C}">
                             <a14:useLocalDpi xmlns:a14="http://schemas.microsoft.com/office/drawing/2010/main" val="0"/>
@@ -17623,7 +17835,7 @@
                       <a:noFill/>
                       <a:extLst>
                         <a:ext uri="{909E8E84-426E-40dd-AFC4-6F175D3DCCD1}">
-                          <a14:hiddenFill xmlns="" xmlns:a14="http://schemas.microsoft.com/office/drawing/2010/main">
+                          <a14:hiddenFill xmlns:a14="http://schemas.microsoft.com/office/drawing/2010/main" xmlns="">
                             <a:solidFill>
                               <a:srgbClr val="FFFFFF"/>
                             </a:solidFill>
@@ -26341,7 +26553,7 @@
             </p:nvSpPr>
             <p:spPr>
               <a:blipFill>
-                <a:blip r:embed="rId3"/>
+                <a:blip r:embed="rId4"/>
                 <a:stretch>
                   <a:fillRect l="-1372" t="-1259"/>
                 </a:stretch>
@@ -26401,12 +26613,12 @@
           <a:graphicData uri="http://schemas.openxmlformats.org/presentationml/2006/ole">
             <mc:AlternateContent xmlns:mc="http://schemas.openxmlformats.org/markup-compatibility/2006">
               <mc:Choice xmlns:v="urn:schemas-microsoft-com:vml" Requires="v">
-                <p:oleObj name="Equation" r:id="rId4" imgW="1473120" imgH="495000" progId="Equation.3">
+                <p:oleObj spid="_x0000_s2050" name="Equation" r:id="rId5" imgW="1473120" imgH="495000" progId="Equation.3">
                   <p:embed/>
                 </p:oleObj>
               </mc:Choice>
               <mc:Fallback>
-                <p:oleObj name="Equation" r:id="rId4" imgW="1473120" imgH="495000" progId="Equation.3">
+                <p:oleObj name="Equation" r:id="rId5" imgW="1473120" imgH="495000" progId="Equation.3">
                   <p:embed/>
                   <p:pic>
                     <p:nvPicPr>
@@ -26417,7 +26629,7 @@
                       <p:nvPr/>
                     </p:nvPicPr>
                     <p:blipFill>
-                      <a:blip r:embed="rId5">
+                      <a:blip r:embed="rId6">
                         <a:extLst>
                           <a:ext uri="{28A0092B-C50C-407E-A947-70E740481C1C}">
                             <a14:useLocalDpi xmlns:a14="http://schemas.microsoft.com/office/drawing/2010/main" val="0"/>
@@ -26440,7 +26652,7 @@
                       <a:noFill/>
                       <a:extLst>
                         <a:ext uri="{909E8E84-426E-40dd-AFC4-6F175D3DCCD1}">
-                          <a14:hiddenFill xmlns="" xmlns:a14="http://schemas.microsoft.com/office/drawing/2010/main">
+                          <a14:hiddenFill xmlns:a14="http://schemas.microsoft.com/office/drawing/2010/main" xmlns="">
                             <a:solidFill>
                               <a:srgbClr val="FFFFFF"/>
                             </a:solidFill>
@@ -29329,14 +29541,14 @@
           <a:ln/>
           <a:extLst>
             <a:ext uri="{909E8E84-426E-40dd-AFC4-6F175D3DCCD1}">
-              <a14:hiddenFill xmlns="" xmlns:a14="http://schemas.microsoft.com/office/drawing/2010/main">
+              <a14:hiddenFill xmlns:a14="http://schemas.microsoft.com/office/drawing/2010/main" xmlns="">
                 <a:solidFill>
                   <a:srgbClr val="FFFFFF"/>
                 </a:solidFill>
               </a14:hiddenFill>
             </a:ext>
             <a:ext uri="{91240B29-F687-4f45-9708-019B960494DF}">
-              <a14:hiddenLine xmlns="" xmlns:a14="http://schemas.microsoft.com/office/drawing/2010/main" w="9525">
+              <a14:hiddenLine xmlns:a14="http://schemas.microsoft.com/office/drawing/2010/main" xmlns="" w="9525">
                 <a:solidFill>
                   <a:srgbClr val="000000"/>
                 </a:solidFill>
@@ -30994,7 +31206,7 @@
           </a:ln>
           <a:extLst>
             <a:ext uri="{909E8E84-426E-40dd-AFC4-6F175D3DCCD1}">
-              <a14:hiddenFill xmlns="" xmlns:a14="http://schemas.microsoft.com/office/drawing/2010/main">
+              <a14:hiddenFill xmlns:a14="http://schemas.microsoft.com/office/drawing/2010/main" xmlns="">
                 <a:noFill/>
               </a14:hiddenFill>
             </a:ext>
@@ -31034,14 +31246,14 @@
           </a:ln>
           <a:extLst>
             <a:ext uri="{909E8E84-426E-40dd-AFC4-6F175D3DCCD1}">
-              <a14:hiddenFill xmlns="" xmlns:a14="http://schemas.microsoft.com/office/drawing/2010/main">
+              <a14:hiddenFill xmlns:a14="http://schemas.microsoft.com/office/drawing/2010/main" xmlns="">
                 <a:solidFill>
                   <a:srgbClr val="FFFFFF"/>
                 </a:solidFill>
               </a14:hiddenFill>
             </a:ext>
             <a:ext uri="{91240B29-F687-4f45-9708-019B960494DF}">
-              <a14:hiddenLine xmlns="" xmlns:a14="http://schemas.microsoft.com/office/drawing/2010/main" w="9525">
+              <a14:hiddenLine xmlns:a14="http://schemas.microsoft.com/office/drawing/2010/main" xmlns="" w="9525">
                 <a:solidFill>
                   <a:srgbClr val="000000"/>
                 </a:solidFill>
@@ -31208,7 +31420,7 @@
           </a:ln>
           <a:extLst>
             <a:ext uri="{909E8E84-426E-40dd-AFC4-6F175D3DCCD1}">
-              <a14:hiddenFill xmlns="" xmlns:a14="http://schemas.microsoft.com/office/drawing/2010/main">
+              <a14:hiddenFill xmlns:a14="http://schemas.microsoft.com/office/drawing/2010/main" xmlns="">
                 <a:solidFill>
                   <a:srgbClr val="FFFFFF"/>
                 </a:solidFill>
@@ -31360,14 +31572,14 @@
           </a:ln>
           <a:extLst>
             <a:ext uri="{909E8E84-426E-40dd-AFC4-6F175D3DCCD1}">
-              <a14:hiddenFill xmlns="" xmlns:a14="http://schemas.microsoft.com/office/drawing/2010/main">
+              <a14:hiddenFill xmlns:a14="http://schemas.microsoft.com/office/drawing/2010/main" xmlns="">
                 <a:solidFill>
                   <a:srgbClr val="FFFFFF"/>
                 </a:solidFill>
               </a14:hiddenFill>
             </a:ext>
             <a:ext uri="{91240B29-F687-4f45-9708-019B960494DF}">
-              <a14:hiddenLine xmlns="" xmlns:a14="http://schemas.microsoft.com/office/drawing/2010/main" w="9525">
+              <a14:hiddenLine xmlns:a14="http://schemas.microsoft.com/office/drawing/2010/main" xmlns="" w="9525">
                 <a:solidFill>
                   <a:srgbClr val="000000"/>
                 </a:solidFill>
@@ -31527,14 +31739,14 @@
           </a:ln>
           <a:extLst>
             <a:ext uri="{909E8E84-426E-40dd-AFC4-6F175D3DCCD1}">
-              <a14:hiddenFill xmlns="" xmlns:a14="http://schemas.microsoft.com/office/drawing/2010/main">
+              <a14:hiddenFill xmlns:a14="http://schemas.microsoft.com/office/drawing/2010/main" xmlns="">
                 <a:solidFill>
                   <a:srgbClr val="FFFFFF"/>
                 </a:solidFill>
               </a14:hiddenFill>
             </a:ext>
             <a:ext uri="{91240B29-F687-4f45-9708-019B960494DF}">
-              <a14:hiddenLine xmlns="" xmlns:a14="http://schemas.microsoft.com/office/drawing/2010/main" w="9525">
+              <a14:hiddenLine xmlns:a14="http://schemas.microsoft.com/office/drawing/2010/main" xmlns="" w="9525">
                 <a:solidFill>
                   <a:srgbClr val="000000"/>
                 </a:solidFill>
@@ -31694,14 +31906,14 @@
           </a:ln>
           <a:extLst>
             <a:ext uri="{909E8E84-426E-40dd-AFC4-6F175D3DCCD1}">
-              <a14:hiddenFill xmlns="" xmlns:a14="http://schemas.microsoft.com/office/drawing/2010/main">
+              <a14:hiddenFill xmlns:a14="http://schemas.microsoft.com/office/drawing/2010/main" xmlns="">
                 <a:solidFill>
                   <a:srgbClr val="FFFFFF"/>
                 </a:solidFill>
               </a14:hiddenFill>
             </a:ext>
             <a:ext uri="{91240B29-F687-4f45-9708-019B960494DF}">
-              <a14:hiddenLine xmlns="" xmlns:a14="http://schemas.microsoft.com/office/drawing/2010/main" w="9525">
+              <a14:hiddenLine xmlns:a14="http://schemas.microsoft.com/office/drawing/2010/main" xmlns="" w="9525">
                 <a:solidFill>
                   <a:srgbClr val="000000"/>
                 </a:solidFill>
@@ -31861,14 +32073,14 @@
           </a:ln>
           <a:extLst>
             <a:ext uri="{909E8E84-426E-40dd-AFC4-6F175D3DCCD1}">
-              <a14:hiddenFill xmlns="" xmlns:a14="http://schemas.microsoft.com/office/drawing/2010/main">
+              <a14:hiddenFill xmlns:a14="http://schemas.microsoft.com/office/drawing/2010/main" xmlns="">
                 <a:solidFill>
                   <a:srgbClr val="FFFFFF"/>
                 </a:solidFill>
               </a14:hiddenFill>
             </a:ext>
             <a:ext uri="{91240B29-F687-4f45-9708-019B960494DF}">
-              <a14:hiddenLine xmlns="" xmlns:a14="http://schemas.microsoft.com/office/drawing/2010/main" w="9525">
+              <a14:hiddenLine xmlns:a14="http://schemas.microsoft.com/office/drawing/2010/main" xmlns="" w="9525">
                 <a:solidFill>
                   <a:srgbClr val="000000"/>
                 </a:solidFill>
@@ -32028,14 +32240,14 @@
           </a:ln>
           <a:extLst>
             <a:ext uri="{909E8E84-426E-40dd-AFC4-6F175D3DCCD1}">
-              <a14:hiddenFill xmlns="" xmlns:a14="http://schemas.microsoft.com/office/drawing/2010/main">
+              <a14:hiddenFill xmlns:a14="http://schemas.microsoft.com/office/drawing/2010/main" xmlns="">
                 <a:solidFill>
                   <a:srgbClr val="FFFFFF"/>
                 </a:solidFill>
               </a14:hiddenFill>
             </a:ext>
             <a:ext uri="{91240B29-F687-4f45-9708-019B960494DF}">
-              <a14:hiddenLine xmlns="" xmlns:a14="http://schemas.microsoft.com/office/drawing/2010/main" w="9525">
+              <a14:hiddenLine xmlns:a14="http://schemas.microsoft.com/office/drawing/2010/main" xmlns="" w="9525">
                 <a:solidFill>
                   <a:srgbClr val="000000"/>
                 </a:solidFill>
@@ -32195,14 +32407,14 @@
           </a:ln>
           <a:extLst>
             <a:ext uri="{909E8E84-426E-40dd-AFC4-6F175D3DCCD1}">
-              <a14:hiddenFill xmlns="" xmlns:a14="http://schemas.microsoft.com/office/drawing/2010/main">
+              <a14:hiddenFill xmlns:a14="http://schemas.microsoft.com/office/drawing/2010/main" xmlns="">
                 <a:solidFill>
                   <a:srgbClr val="FFFFFF"/>
                 </a:solidFill>
               </a14:hiddenFill>
             </a:ext>
             <a:ext uri="{91240B29-F687-4f45-9708-019B960494DF}">
-              <a14:hiddenLine xmlns="" xmlns:a14="http://schemas.microsoft.com/office/drawing/2010/main" w="9525">
+              <a14:hiddenLine xmlns:a14="http://schemas.microsoft.com/office/drawing/2010/main" xmlns="" w="9525">
                 <a:solidFill>
                   <a:srgbClr val="000000"/>
                 </a:solidFill>
@@ -32362,14 +32574,14 @@
           </a:ln>
           <a:extLst>
             <a:ext uri="{909E8E84-426E-40dd-AFC4-6F175D3DCCD1}">
-              <a14:hiddenFill xmlns="" xmlns:a14="http://schemas.microsoft.com/office/drawing/2010/main">
+              <a14:hiddenFill xmlns:a14="http://schemas.microsoft.com/office/drawing/2010/main" xmlns="">
                 <a:solidFill>
                   <a:srgbClr val="FFFFFF"/>
                 </a:solidFill>
               </a14:hiddenFill>
             </a:ext>
             <a:ext uri="{91240B29-F687-4f45-9708-019B960494DF}">
-              <a14:hiddenLine xmlns="" xmlns:a14="http://schemas.microsoft.com/office/drawing/2010/main" w="9525">
+              <a14:hiddenLine xmlns:a14="http://schemas.microsoft.com/office/drawing/2010/main" xmlns="" w="9525">
                 <a:solidFill>
                   <a:srgbClr val="000000"/>
                 </a:solidFill>
@@ -32536,7 +32748,7 @@
           </a:ln>
           <a:extLst>
             <a:ext uri="{909E8E84-426E-40dd-AFC4-6F175D3DCCD1}">
-              <a14:hiddenFill xmlns="" xmlns:a14="http://schemas.microsoft.com/office/drawing/2010/main">
+              <a14:hiddenFill xmlns:a14="http://schemas.microsoft.com/office/drawing/2010/main" xmlns="">
                 <a:solidFill>
                   <a:srgbClr val="FFFFFF"/>
                 </a:solidFill>
@@ -32685,14 +32897,14 @@
           </a:ln>
           <a:extLst>
             <a:ext uri="{909E8E84-426E-40dd-AFC4-6F175D3DCCD1}">
-              <a14:hiddenFill xmlns="" xmlns:a14="http://schemas.microsoft.com/office/drawing/2010/main">
+              <a14:hiddenFill xmlns:a14="http://schemas.microsoft.com/office/drawing/2010/main" xmlns="">
                 <a:solidFill>
                   <a:srgbClr val="FFFFFF"/>
                 </a:solidFill>
               </a14:hiddenFill>
             </a:ext>
             <a:ext uri="{91240B29-F687-4f45-9708-019B960494DF}">
-              <a14:hiddenLine xmlns="" xmlns:a14="http://schemas.microsoft.com/office/drawing/2010/main" w="9525">
+              <a14:hiddenLine xmlns:a14="http://schemas.microsoft.com/office/drawing/2010/main" xmlns="" w="9525">
                 <a:solidFill>
                   <a:srgbClr val="000000"/>
                 </a:solidFill>
@@ -32849,14 +33061,14 @@
           </a:ln>
           <a:extLst>
             <a:ext uri="{909E8E84-426E-40dd-AFC4-6F175D3DCCD1}">
-              <a14:hiddenFill xmlns="" xmlns:a14="http://schemas.microsoft.com/office/drawing/2010/main">
+              <a14:hiddenFill xmlns:a14="http://schemas.microsoft.com/office/drawing/2010/main" xmlns="">
                 <a:solidFill>
                   <a:srgbClr val="FFFFFF"/>
                 </a:solidFill>
               </a14:hiddenFill>
             </a:ext>
             <a:ext uri="{91240B29-F687-4f45-9708-019B960494DF}">
-              <a14:hiddenLine xmlns="" xmlns:a14="http://schemas.microsoft.com/office/drawing/2010/main" w="9525">
+              <a14:hiddenLine xmlns:a14="http://schemas.microsoft.com/office/drawing/2010/main" xmlns="" w="9525">
                 <a:solidFill>
                   <a:srgbClr val="000000"/>
                 </a:solidFill>
@@ -33016,14 +33228,14 @@
           </a:ln>
           <a:extLst>
             <a:ext uri="{909E8E84-426E-40dd-AFC4-6F175D3DCCD1}">
-              <a14:hiddenFill xmlns="" xmlns:a14="http://schemas.microsoft.com/office/drawing/2010/main">
+              <a14:hiddenFill xmlns:a14="http://schemas.microsoft.com/office/drawing/2010/main" xmlns="">
                 <a:solidFill>
                   <a:srgbClr val="FFFFFF"/>
                 </a:solidFill>
               </a14:hiddenFill>
             </a:ext>
             <a:ext uri="{91240B29-F687-4f45-9708-019B960494DF}">
-              <a14:hiddenLine xmlns="" xmlns:a14="http://schemas.microsoft.com/office/drawing/2010/main" w="9525">
+              <a14:hiddenLine xmlns:a14="http://schemas.microsoft.com/office/drawing/2010/main" xmlns="" w="9525">
                 <a:solidFill>
                   <a:srgbClr val="000000"/>
                 </a:solidFill>
@@ -33183,14 +33395,14 @@
           </a:ln>
           <a:extLst>
             <a:ext uri="{909E8E84-426E-40dd-AFC4-6F175D3DCCD1}">
-              <a14:hiddenFill xmlns="" xmlns:a14="http://schemas.microsoft.com/office/drawing/2010/main">
+              <a14:hiddenFill xmlns:a14="http://schemas.microsoft.com/office/drawing/2010/main" xmlns="">
                 <a:solidFill>
                   <a:srgbClr val="FFFFFF"/>
                 </a:solidFill>
               </a14:hiddenFill>
             </a:ext>
             <a:ext uri="{91240B29-F687-4f45-9708-019B960494DF}">
-              <a14:hiddenLine xmlns="" xmlns:a14="http://schemas.microsoft.com/office/drawing/2010/main" w="9525">
+              <a14:hiddenLine xmlns:a14="http://schemas.microsoft.com/office/drawing/2010/main" xmlns="" w="9525">
                 <a:solidFill>
                   <a:srgbClr val="000000"/>
                 </a:solidFill>
@@ -33350,14 +33562,14 @@
           </a:ln>
           <a:extLst>
             <a:ext uri="{909E8E84-426E-40dd-AFC4-6F175D3DCCD1}">
-              <a14:hiddenFill xmlns="" xmlns:a14="http://schemas.microsoft.com/office/drawing/2010/main">
+              <a14:hiddenFill xmlns:a14="http://schemas.microsoft.com/office/drawing/2010/main" xmlns="">
                 <a:solidFill>
                   <a:srgbClr val="FFFFFF"/>
                 </a:solidFill>
               </a14:hiddenFill>
             </a:ext>
             <a:ext uri="{91240B29-F687-4f45-9708-019B960494DF}">
-              <a14:hiddenLine xmlns="" xmlns:a14="http://schemas.microsoft.com/office/drawing/2010/main" w="9525">
+              <a14:hiddenLine xmlns:a14="http://schemas.microsoft.com/office/drawing/2010/main" xmlns="" w="9525">
                 <a:solidFill>
                   <a:srgbClr val="000000"/>
                 </a:solidFill>
@@ -33517,14 +33729,14 @@
           </a:ln>
           <a:extLst>
             <a:ext uri="{909E8E84-426E-40dd-AFC4-6F175D3DCCD1}">
-              <a14:hiddenFill xmlns="" xmlns:a14="http://schemas.microsoft.com/office/drawing/2010/main">
+              <a14:hiddenFill xmlns:a14="http://schemas.microsoft.com/office/drawing/2010/main" xmlns="">
                 <a:solidFill>
                   <a:srgbClr val="FFFFFF"/>
                 </a:solidFill>
               </a14:hiddenFill>
             </a:ext>
             <a:ext uri="{91240B29-F687-4f45-9708-019B960494DF}">
-              <a14:hiddenLine xmlns="" xmlns:a14="http://schemas.microsoft.com/office/drawing/2010/main" w="9525">
+              <a14:hiddenLine xmlns:a14="http://schemas.microsoft.com/office/drawing/2010/main" xmlns="" w="9525">
                 <a:solidFill>
                   <a:srgbClr val="000000"/>
                 </a:solidFill>
@@ -33684,14 +33896,14 @@
           </a:ln>
           <a:extLst>
             <a:ext uri="{909E8E84-426E-40dd-AFC4-6F175D3DCCD1}">
-              <a14:hiddenFill xmlns="" xmlns:a14="http://schemas.microsoft.com/office/drawing/2010/main">
+              <a14:hiddenFill xmlns:a14="http://schemas.microsoft.com/office/drawing/2010/main" xmlns="">
                 <a:solidFill>
                   <a:srgbClr val="FFFFFF"/>
                 </a:solidFill>
               </a14:hiddenFill>
             </a:ext>
             <a:ext uri="{91240B29-F687-4f45-9708-019B960494DF}">
-              <a14:hiddenLine xmlns="" xmlns:a14="http://schemas.microsoft.com/office/drawing/2010/main" w="9525">
+              <a14:hiddenLine xmlns:a14="http://schemas.microsoft.com/office/drawing/2010/main" xmlns="" w="9525">
                 <a:solidFill>
                   <a:srgbClr val="000000"/>
                 </a:solidFill>
@@ -33851,14 +34063,14 @@
           </a:ln>
           <a:extLst>
             <a:ext uri="{909E8E84-426E-40dd-AFC4-6F175D3DCCD1}">
-              <a14:hiddenFill xmlns="" xmlns:a14="http://schemas.microsoft.com/office/drawing/2010/main">
+              <a14:hiddenFill xmlns:a14="http://schemas.microsoft.com/office/drawing/2010/main" xmlns="">
                 <a:solidFill>
                   <a:srgbClr val="FFFFFF"/>
                 </a:solidFill>
               </a14:hiddenFill>
             </a:ext>
             <a:ext uri="{91240B29-F687-4f45-9708-019B960494DF}">
-              <a14:hiddenLine xmlns="" xmlns:a14="http://schemas.microsoft.com/office/drawing/2010/main" w="9525">
+              <a14:hiddenLine xmlns:a14="http://schemas.microsoft.com/office/drawing/2010/main" xmlns="" w="9525">
                 <a:solidFill>
                   <a:srgbClr val="000000"/>
                 </a:solidFill>
@@ -34018,14 +34230,14 @@
           </a:ln>
           <a:extLst>
             <a:ext uri="{909E8E84-426E-40dd-AFC4-6F175D3DCCD1}">
-              <a14:hiddenFill xmlns="" xmlns:a14="http://schemas.microsoft.com/office/drawing/2010/main">
+              <a14:hiddenFill xmlns:a14="http://schemas.microsoft.com/office/drawing/2010/main" xmlns="">
                 <a:solidFill>
                   <a:srgbClr val="FFFFFF"/>
                 </a:solidFill>
               </a14:hiddenFill>
             </a:ext>
             <a:ext uri="{91240B29-F687-4f45-9708-019B960494DF}">
-              <a14:hiddenLine xmlns="" xmlns:a14="http://schemas.microsoft.com/office/drawing/2010/main" w="9525">
+              <a14:hiddenLine xmlns:a14="http://schemas.microsoft.com/office/drawing/2010/main" xmlns="" w="9525">
                 <a:solidFill>
                   <a:srgbClr val="000000"/>
                 </a:solidFill>
@@ -34185,14 +34397,14 @@
           </a:ln>
           <a:extLst>
             <a:ext uri="{909E8E84-426E-40dd-AFC4-6F175D3DCCD1}">
-              <a14:hiddenFill xmlns="" xmlns:a14="http://schemas.microsoft.com/office/drawing/2010/main">
+              <a14:hiddenFill xmlns:a14="http://schemas.microsoft.com/office/drawing/2010/main" xmlns="">
                 <a:solidFill>
                   <a:srgbClr val="FFFFFF"/>
                 </a:solidFill>
               </a14:hiddenFill>
             </a:ext>
             <a:ext uri="{91240B29-F687-4f45-9708-019B960494DF}">
-              <a14:hiddenLine xmlns="" xmlns:a14="http://schemas.microsoft.com/office/drawing/2010/main" w="9525">
+              <a14:hiddenLine xmlns:a14="http://schemas.microsoft.com/office/drawing/2010/main" xmlns="" w="9525">
                 <a:solidFill>
                   <a:srgbClr val="000000"/>
                 </a:solidFill>
@@ -35573,14 +35785,14 @@
           </a:ln>
           <a:extLst>
             <a:ext uri="{909E8E84-426E-40dd-AFC4-6F175D3DCCD1}">
-              <a14:hiddenFill xmlns="" xmlns:a14="http://schemas.microsoft.com/office/drawing/2010/main">
+              <a14:hiddenFill xmlns:a14="http://schemas.microsoft.com/office/drawing/2010/main" xmlns="">
                 <a:solidFill>
                   <a:srgbClr val="FFFFFF"/>
                 </a:solidFill>
               </a14:hiddenFill>
             </a:ext>
             <a:ext uri="{91240B29-F687-4f45-9708-019B960494DF}">
-              <a14:hiddenLine xmlns="" xmlns:a14="http://schemas.microsoft.com/office/drawing/2010/main" w="9525">
+              <a14:hiddenLine xmlns:a14="http://schemas.microsoft.com/office/drawing/2010/main" xmlns="" w="9525">
                 <a:solidFill>
                   <a:srgbClr val="000000"/>
                 </a:solidFill>
@@ -36522,14 +36734,14 @@
           </a:ln>
           <a:extLst>
             <a:ext uri="{909E8E84-426E-40dd-AFC4-6F175D3DCCD1}">
-              <a14:hiddenFill xmlns="" xmlns:a14="http://schemas.microsoft.com/office/drawing/2010/main">
+              <a14:hiddenFill xmlns:a14="http://schemas.microsoft.com/office/drawing/2010/main" xmlns="">
                 <a:solidFill>
                   <a:srgbClr val="FFFFFF"/>
                 </a:solidFill>
               </a14:hiddenFill>
             </a:ext>
             <a:ext uri="{91240B29-F687-4f45-9708-019B960494DF}">
-              <a14:hiddenLine xmlns="" xmlns:a14="http://schemas.microsoft.com/office/drawing/2010/main" w="9525">
+              <a14:hiddenLine xmlns:a14="http://schemas.microsoft.com/office/drawing/2010/main" xmlns="" w="9525">
                 <a:solidFill>
                   <a:srgbClr val="000000"/>
                 </a:solidFill>
@@ -36694,7 +36906,7 @@
           </a:ln>
           <a:extLst>
             <a:ext uri="{909E8E84-426E-40dd-AFC4-6F175D3DCCD1}">
-              <a14:hiddenFill xmlns="" xmlns:a14="http://schemas.microsoft.com/office/drawing/2010/main">
+              <a14:hiddenFill xmlns:a14="http://schemas.microsoft.com/office/drawing/2010/main" xmlns="">
                 <a:noFill/>
               </a14:hiddenFill>
             </a:ext>
@@ -36739,7 +36951,7 @@
           </a:ln>
           <a:extLst>
             <a:ext uri="{909E8E84-426E-40dd-AFC4-6F175D3DCCD1}">
-              <a14:hiddenFill xmlns="" xmlns:a14="http://schemas.microsoft.com/office/drawing/2010/main">
+              <a14:hiddenFill xmlns:a14="http://schemas.microsoft.com/office/drawing/2010/main" xmlns="">
                 <a:noFill/>
               </a14:hiddenFill>
             </a:ext>
@@ -36784,7 +36996,7 @@
           </a:ln>
           <a:extLst>
             <a:ext uri="{909E8E84-426E-40dd-AFC4-6F175D3DCCD1}">
-              <a14:hiddenFill xmlns="" xmlns:a14="http://schemas.microsoft.com/office/drawing/2010/main">
+              <a14:hiddenFill xmlns:a14="http://schemas.microsoft.com/office/drawing/2010/main" xmlns="">
                 <a:noFill/>
               </a14:hiddenFill>
             </a:ext>
@@ -36824,14 +37036,14 @@
           </a:ln>
           <a:extLst>
             <a:ext uri="{909E8E84-426E-40dd-AFC4-6F175D3DCCD1}">
-              <a14:hiddenFill xmlns="" xmlns:a14="http://schemas.microsoft.com/office/drawing/2010/main">
+              <a14:hiddenFill xmlns:a14="http://schemas.microsoft.com/office/drawing/2010/main" xmlns="">
                 <a:solidFill>
                   <a:srgbClr val="FFFFFF"/>
                 </a:solidFill>
               </a14:hiddenFill>
             </a:ext>
             <a:ext uri="{91240B29-F687-4f45-9708-019B960494DF}">
-              <a14:hiddenLine xmlns="" xmlns:a14="http://schemas.microsoft.com/office/drawing/2010/main" w="9525">
+              <a14:hiddenLine xmlns:a14="http://schemas.microsoft.com/office/drawing/2010/main" xmlns="" w="9525">
                 <a:solidFill>
                   <a:srgbClr val="000000"/>
                 </a:solidFill>
@@ -36991,14 +37203,14 @@
           </a:ln>
           <a:extLst>
             <a:ext uri="{909E8E84-426E-40dd-AFC4-6F175D3DCCD1}">
-              <a14:hiddenFill xmlns="" xmlns:a14="http://schemas.microsoft.com/office/drawing/2010/main">
+              <a14:hiddenFill xmlns:a14="http://schemas.microsoft.com/office/drawing/2010/main" xmlns="">
                 <a:solidFill>
                   <a:srgbClr val="FFFFFF"/>
                 </a:solidFill>
               </a14:hiddenFill>
             </a:ext>
             <a:ext uri="{91240B29-F687-4f45-9708-019B960494DF}">
-              <a14:hiddenLine xmlns="" xmlns:a14="http://schemas.microsoft.com/office/drawing/2010/main" w="9525">
+              <a14:hiddenLine xmlns:a14="http://schemas.microsoft.com/office/drawing/2010/main" xmlns="" w="9525">
                 <a:solidFill>
                   <a:srgbClr val="000000"/>
                 </a:solidFill>
@@ -37158,14 +37370,14 @@
           </a:ln>
           <a:extLst>
             <a:ext uri="{909E8E84-426E-40dd-AFC4-6F175D3DCCD1}">
-              <a14:hiddenFill xmlns="" xmlns:a14="http://schemas.microsoft.com/office/drawing/2010/main">
+              <a14:hiddenFill xmlns:a14="http://schemas.microsoft.com/office/drawing/2010/main" xmlns="">
                 <a:solidFill>
                   <a:srgbClr val="FFFFFF"/>
                 </a:solidFill>
               </a14:hiddenFill>
             </a:ext>
             <a:ext uri="{91240B29-F687-4f45-9708-019B960494DF}">
-              <a14:hiddenLine xmlns="" xmlns:a14="http://schemas.microsoft.com/office/drawing/2010/main" w="9525">
+              <a14:hiddenLine xmlns:a14="http://schemas.microsoft.com/office/drawing/2010/main" xmlns="" w="9525">
                 <a:solidFill>
                   <a:srgbClr val="000000"/>
                 </a:solidFill>
@@ -38028,14 +38240,14 @@
           </a:ln>
           <a:extLst>
             <a:ext uri="{909E8E84-426E-40dd-AFC4-6F175D3DCCD1}">
-              <a14:hiddenFill xmlns="" xmlns:a14="http://schemas.microsoft.com/office/drawing/2010/main">
+              <a14:hiddenFill xmlns:a14="http://schemas.microsoft.com/office/drawing/2010/main" xmlns="">
                 <a:solidFill>
                   <a:srgbClr val="FFFFFF"/>
                 </a:solidFill>
               </a14:hiddenFill>
             </a:ext>
             <a:ext uri="{91240B29-F687-4f45-9708-019B960494DF}">
-              <a14:hiddenLine xmlns="" xmlns:a14="http://schemas.microsoft.com/office/drawing/2010/main" w="9525">
+              <a14:hiddenLine xmlns:a14="http://schemas.microsoft.com/office/drawing/2010/main" xmlns="" w="9525">
                 <a:solidFill>
                   <a:srgbClr val="000000"/>
                 </a:solidFill>
@@ -38992,14 +39204,14 @@
           </a:ln>
           <a:extLst>
             <a:ext uri="{909E8E84-426E-40dd-AFC4-6F175D3DCCD1}">
-              <a14:hiddenFill xmlns="" xmlns:a14="http://schemas.microsoft.com/office/drawing/2010/main">
+              <a14:hiddenFill xmlns:a14="http://schemas.microsoft.com/office/drawing/2010/main" xmlns="">
                 <a:solidFill>
                   <a:srgbClr val="FFFFFF"/>
                 </a:solidFill>
               </a14:hiddenFill>
             </a:ext>
             <a:ext uri="{91240B29-F687-4f45-9708-019B960494DF}">
-              <a14:hiddenLine xmlns="" xmlns:a14="http://schemas.microsoft.com/office/drawing/2010/main" w="9525">
+              <a14:hiddenLine xmlns:a14="http://schemas.microsoft.com/office/drawing/2010/main" xmlns="" w="9525">
                 <a:solidFill>
                   <a:srgbClr val="000000"/>
                 </a:solidFill>
@@ -39694,7 +39906,7 @@
           </a:ln>
           <a:extLst>
             <a:ext uri="{909E8E84-426E-40dd-AFC4-6F175D3DCCD1}">
-              <a14:hiddenFill xmlns="" xmlns:a14="http://schemas.microsoft.com/office/drawing/2010/main">
+              <a14:hiddenFill xmlns:a14="http://schemas.microsoft.com/office/drawing/2010/main" xmlns="">
                 <a:noFill/>
               </a14:hiddenFill>
             </a:ext>
@@ -39741,7 +39953,7 @@
           </a:ln>
           <a:extLst>
             <a:ext uri="{909E8E84-426E-40dd-AFC4-6F175D3DCCD1}">
-              <a14:hiddenFill xmlns="" xmlns:a14="http://schemas.microsoft.com/office/drawing/2010/main">
+              <a14:hiddenFill xmlns:a14="http://schemas.microsoft.com/office/drawing/2010/main" xmlns="">
                 <a:solidFill>
                   <a:srgbClr val="FFFFFF"/>
                 </a:solidFill>
@@ -39890,14 +40102,14 @@
           </a:ln>
           <a:extLst>
             <a:ext uri="{909E8E84-426E-40dd-AFC4-6F175D3DCCD1}">
-              <a14:hiddenFill xmlns="" xmlns:a14="http://schemas.microsoft.com/office/drawing/2010/main">
+              <a14:hiddenFill xmlns:a14="http://schemas.microsoft.com/office/drawing/2010/main" xmlns="">
                 <a:solidFill>
                   <a:srgbClr val="FFFFFF"/>
                 </a:solidFill>
               </a14:hiddenFill>
             </a:ext>
             <a:ext uri="{91240B29-F687-4f45-9708-019B960494DF}">
-              <a14:hiddenLine xmlns="" xmlns:a14="http://schemas.microsoft.com/office/drawing/2010/main" w="9525">
+              <a14:hiddenLine xmlns:a14="http://schemas.microsoft.com/office/drawing/2010/main" xmlns="" w="9525">
                 <a:solidFill>
                   <a:srgbClr val="000000"/>
                 </a:solidFill>
@@ -40061,7 +40273,7 @@
           </a:ln>
           <a:extLst>
             <a:ext uri="{909E8E84-426E-40dd-AFC4-6F175D3DCCD1}">
-              <a14:hiddenFill xmlns="" xmlns:a14="http://schemas.microsoft.com/office/drawing/2010/main">
+              <a14:hiddenFill xmlns:a14="http://schemas.microsoft.com/office/drawing/2010/main" xmlns="">
                 <a:solidFill>
                   <a:srgbClr val="FFFFFF"/>
                 </a:solidFill>
@@ -40215,7 +40427,7 @@
           </a:ln>
           <a:extLst>
             <a:ext uri="{909E8E84-426E-40dd-AFC4-6F175D3DCCD1}">
-              <a14:hiddenFill xmlns="" xmlns:a14="http://schemas.microsoft.com/office/drawing/2010/main">
+              <a14:hiddenFill xmlns:a14="http://schemas.microsoft.com/office/drawing/2010/main" xmlns="">
                 <a:noFill/>
               </a14:hiddenFill>
             </a:ext>
@@ -40255,14 +40467,14 @@
           </a:ln>
           <a:extLst>
             <a:ext uri="{909E8E84-426E-40dd-AFC4-6F175D3DCCD1}">
-              <a14:hiddenFill xmlns="" xmlns:a14="http://schemas.microsoft.com/office/drawing/2010/main">
+              <a14:hiddenFill xmlns:a14="http://schemas.microsoft.com/office/drawing/2010/main" xmlns="">
                 <a:solidFill>
                   <a:srgbClr val="FFFFFF"/>
                 </a:solidFill>
               </a14:hiddenFill>
             </a:ext>
             <a:ext uri="{91240B29-F687-4f45-9708-019B960494DF}">
-              <a14:hiddenLine xmlns="" xmlns:a14="http://schemas.microsoft.com/office/drawing/2010/main" w="9525">
+              <a14:hiddenLine xmlns:a14="http://schemas.microsoft.com/office/drawing/2010/main" xmlns="" w="9525">
                 <a:solidFill>
                   <a:srgbClr val="000000"/>
                 </a:solidFill>
@@ -40419,14 +40631,14 @@
           </a:ln>
           <a:extLst>
             <a:ext uri="{909E8E84-426E-40dd-AFC4-6F175D3DCCD1}">
-              <a14:hiddenFill xmlns="" xmlns:a14="http://schemas.microsoft.com/office/drawing/2010/main">
+              <a14:hiddenFill xmlns:a14="http://schemas.microsoft.com/office/drawing/2010/main" xmlns="">
                 <a:solidFill>
                   <a:srgbClr val="FFFFFF"/>
                 </a:solidFill>
               </a14:hiddenFill>
             </a:ext>
             <a:ext uri="{91240B29-F687-4f45-9708-019B960494DF}">
-              <a14:hiddenLine xmlns="" xmlns:a14="http://schemas.microsoft.com/office/drawing/2010/main" w="9525">
+              <a14:hiddenLine xmlns:a14="http://schemas.microsoft.com/office/drawing/2010/main" xmlns="" w="9525">
                 <a:solidFill>
                   <a:srgbClr val="000000"/>
                 </a:solidFill>
@@ -40588,7 +40800,7 @@
           </a:ln>
           <a:extLst>
             <a:ext uri="{909E8E84-426E-40dd-AFC4-6F175D3DCCD1}">
-              <a14:hiddenFill xmlns="" xmlns:a14="http://schemas.microsoft.com/office/drawing/2010/main">
+              <a14:hiddenFill xmlns:a14="http://schemas.microsoft.com/office/drawing/2010/main" xmlns="">
                 <a:noFill/>
               </a14:hiddenFill>
             </a:ext>
@@ -40633,7 +40845,7 @@
           </a:ln>
           <a:extLst>
             <a:ext uri="{909E8E84-426E-40dd-AFC4-6F175D3DCCD1}">
-              <a14:hiddenFill xmlns="" xmlns:a14="http://schemas.microsoft.com/office/drawing/2010/main">
+              <a14:hiddenFill xmlns:a14="http://schemas.microsoft.com/office/drawing/2010/main" xmlns="">
                 <a:noFill/>
               </a14:hiddenFill>
             </a:ext>
@@ -40820,14 +41032,14 @@
           </a:ln>
           <a:extLst>
             <a:ext uri="{909E8E84-426E-40dd-AFC4-6F175D3DCCD1}">
-              <a14:hiddenFill xmlns="" xmlns:a14="http://schemas.microsoft.com/office/drawing/2010/main">
+              <a14:hiddenFill xmlns:a14="http://schemas.microsoft.com/office/drawing/2010/main" xmlns="">
                 <a:solidFill>
                   <a:srgbClr val="FFFFFF"/>
                 </a:solidFill>
               </a14:hiddenFill>
             </a:ext>
             <a:ext uri="{91240B29-F687-4f45-9708-019B960494DF}">
-              <a14:hiddenLine xmlns="" xmlns:a14="http://schemas.microsoft.com/office/drawing/2010/main" w="9525">
+              <a14:hiddenLine xmlns:a14="http://schemas.microsoft.com/office/drawing/2010/main" xmlns="" w="9525">
                 <a:solidFill>
                   <a:srgbClr val="000000"/>
                 </a:solidFill>
